--- a/Memoria/TFG_II_back.pptx
+++ b/Memoria/TFG_II_back.pptx
@@ -134,22 +134,6 @@
       </a:defRPr>
     </a:lvl9pPr>
   </p:defaultTextStyle>
-  <p:extLst>
-    <p:ext uri="{EFAFB233-063F-42B5-8137-9DF3F51BA10A}">
-      <p15:sldGuideLst xmlns:p15="http://schemas.microsoft.com/office/powerpoint/2012/main">
-        <p15:guide id="1" orient="horz" pos="3368">
-          <p15:clr>
-            <a:srgbClr val="A4A3A4"/>
-          </p15:clr>
-        </p15:guide>
-        <p15:guide id="2" pos="2382">
-          <p15:clr>
-            <a:srgbClr val="A4A3A4"/>
-          </p15:clr>
-        </p15:guide>
-      </p15:sldGuideLst>
-    </p:ext>
-  </p:extLst>
 </p:presentation>
 </file>
 
@@ -205,7 +189,7 @@
           </a:lstStyle>
           <a:p>
             <a:r>
-              <a:rPr lang="es-ES"/>
+              <a:rPr lang="es-ES" smtClean="0"/>
               <a:t>Haga clic para modificar el estilo de título del patrón</a:t>
             </a:r>
             <a:endParaRPr lang="es-ES" dirty="0"/>
@@ -267,7 +251,9 @@
           <a:bodyPr lIns="99569" tIns="49785" rIns="99569" bIns="49785" anchor="ctr">
             <a:normAutofit fontScale="25000" lnSpcReduction="20000"/>
           </a:bodyPr>
-          <a:lstStyle/>
+          <a:lstStyle>
+            <a:extLst/>
+          </a:lstStyle>
           <a:p>
             <a:pPr algn="ctr" eaLnBrk="1" fontAlgn="auto" hangingPunct="1">
               <a:lnSpc>
@@ -311,6 +297,10 @@
           <a:ln>
             <a:noFill/>
           </a:ln>
+          <a:extLst>
+            <a:ext uri="{909E8E84-426E-40DD-AFC4-6F175D3DCCD1}"/>
+            <a:ext uri="{91240B29-F687-4F45-9708-019B960494DF}"/>
+          </a:extLst>
         </p:spPr>
         <p:txBody>
           <a:bodyPr wrap="none" lIns="99569" tIns="49785" rIns="99569" bIns="49785">
@@ -428,7 +418,7 @@
               <a:defRPr/>
             </a:pPr>
             <a:r>
-              <a:rPr lang="es-ES" dirty="0">
+              <a:rPr lang="es-ES" dirty="0" smtClean="0">
                 <a:solidFill>
                   <a:schemeClr val="bg1"/>
                 </a:solidFill>
@@ -437,7 +427,7 @@
               <a:t>Resumen</a:t>
             </a:r>
             <a:r>
-              <a:rPr lang="en-US" dirty="0">
+              <a:rPr lang="en-US" dirty="0" smtClean="0">
                 <a:solidFill>
                   <a:schemeClr val="bg1"/>
                 </a:solidFill>
@@ -582,6 +572,10 @@
           <a:ln>
             <a:noFill/>
           </a:ln>
+          <a:extLst>
+            <a:ext uri="{909E8E84-426E-40DD-AFC4-6F175D3DCCD1}"/>
+            <a:ext uri="{91240B29-F687-4F45-9708-019B960494DF}"/>
+          </a:extLst>
         </p:spPr>
         <p:txBody>
           <a:bodyPr wrap="none" lIns="99569" tIns="49785" rIns="99569" bIns="49785">
@@ -699,11 +693,20 @@
               <a:defRPr/>
             </a:pPr>
             <a:r>
-              <a:rPr lang="es-ES" sz="1600" dirty="0">
+              <a:rPr lang="es-ES" sz="1600" dirty="0" smtClean="0">
                 <a:latin typeface="Calibri" panose="020F0502020204030204" pitchFamily="34" charset="0"/>
               </a:rPr>
-              <a:t>GRADO EN INGENIERÍA INFORMÁTICA, 2018/2019</a:t>
+              <a:t>GRADO EN INGENIERÍA INFORMÁTICA, </a:t>
             </a:r>
+            <a:r>
+              <a:rPr lang="es-ES" sz="1600" dirty="0" smtClean="0">
+                <a:latin typeface="Calibri" panose="020F0502020204030204" pitchFamily="34" charset="0"/>
+              </a:rPr>
+              <a:t>2018/2019</a:t>
+            </a:r>
+            <a:endParaRPr lang="es-ES" sz="1600" dirty="0" smtClean="0">
+              <a:latin typeface="Calibri" panose="020F0502020204030204" pitchFamily="34" charset="0"/>
+            </a:endParaRPr>
           </a:p>
         </p:txBody>
       </p:sp>
@@ -1146,7 +1149,7 @@
               </a:spcAft>
               <a:defRPr/>
             </a:pPr>
-            <a:endParaRPr lang="es-ES" dirty="0"/>
+            <a:endParaRPr lang="es-ES" dirty="0" smtClean="0"/>
           </a:p>
         </p:txBody>
       </p:sp>
